--- a/Documentation/Presentation.pptx
+++ b/Documentation/Presentation.pptx
@@ -16,6 +16,7 @@
     <p:sldId id="264" r:id="rId10"/>
     <p:sldId id="265" r:id="rId11"/>
     <p:sldId id="266" r:id="rId12"/>
+    <p:sldId id="271" r:id="rId13"/>
   </p:sldIdLst>
   <p:sldSz cx="12192000" cy="6858000"/>
   <p:notesSz cx="6858000" cy="9144000"/>
@@ -3366,41 +3367,229 @@
       </p:sp>
       <p:sp>
         <p:nvSpPr>
-          <p:cNvPr id="3" name="Subtitle 2">
-            <a:extLst>
-              <a:ext uri="{FF2B5EF4-FFF2-40B4-BE49-F238E27FC236}">
-                <a16:creationId xmlns:a16="http://schemas.microsoft.com/office/drawing/2014/main" id="{A29A8007-3AB9-48A1-870E-F600F0E7499A}"/>
-              </a:ext>
-            </a:extLst>
-          </p:cNvPr>
-          <p:cNvSpPr>
-            <a:spLocks noGrp="1"/>
-          </p:cNvSpPr>
-          <p:nvPr>
-            <p:ph type="subTitle" idx="1"/>
-          </p:nvPr>
-        </p:nvSpPr>
-        <p:spPr/>
-        <p:txBody>
-          <a:bodyPr/>
-          <a:lstStyle/>
-          <a:p>
+          <p:cNvPr id="6" name="Subtitle 2">
+            <a:extLst>
+              <a:ext uri="{FF2B5EF4-FFF2-40B4-BE49-F238E27FC236}">
+                <a16:creationId xmlns:a16="http://schemas.microsoft.com/office/drawing/2014/main" id="{21A7F7E5-4B49-4BB5-A489-780FAD9DFC1B}"/>
+              </a:ext>
+            </a:extLst>
+          </p:cNvPr>
+          <p:cNvSpPr txBox="1">
+            <a:spLocks/>
+          </p:cNvSpPr>
+          <p:nvPr/>
+        </p:nvSpPr>
+        <p:spPr>
+          <a:xfrm>
+            <a:off x="1378182" y="3933166"/>
+            <a:ext cx="9144000" cy="1246409"/>
+          </a:xfrm>
+          <a:prstGeom prst="rect">
+            <a:avLst/>
+          </a:prstGeom>
+        </p:spPr>
+        <p:txBody>
+          <a:bodyPr vert="horz" lIns="91440" tIns="45720" rIns="91440" bIns="45720" rtlCol="0">
+            <a:normAutofit/>
+          </a:bodyPr>
+          <a:lstStyle>
+            <a:lvl1pPr marL="0" indent="0" algn="ctr" defTabSz="914400" rtl="0" eaLnBrk="1" latinLnBrk="0" hangingPunct="1">
+              <a:lnSpc>
+                <a:spcPct val="90000"/>
+              </a:lnSpc>
+              <a:spcBef>
+                <a:spcPts val="1000"/>
+              </a:spcBef>
+              <a:buFont typeface="Arial" panose="020B0604020202020204" pitchFamily="34" charset="0"/>
+              <a:buNone/>
+              <a:defRPr sz="2400" kern="1200">
+                <a:solidFill>
+                  <a:schemeClr val="tx1"/>
+                </a:solidFill>
+                <a:latin typeface="+mn-lt"/>
+                <a:ea typeface="+mn-ea"/>
+                <a:cs typeface="+mn-cs"/>
+              </a:defRPr>
+            </a:lvl1pPr>
+            <a:lvl2pPr marL="457200" indent="0" algn="ctr" defTabSz="914400" rtl="0" eaLnBrk="1" latinLnBrk="0" hangingPunct="1">
+              <a:lnSpc>
+                <a:spcPct val="90000"/>
+              </a:lnSpc>
+              <a:spcBef>
+                <a:spcPts val="500"/>
+              </a:spcBef>
+              <a:buFont typeface="Arial" panose="020B0604020202020204" pitchFamily="34" charset="0"/>
+              <a:buNone/>
+              <a:defRPr sz="2000" kern="1200">
+                <a:solidFill>
+                  <a:schemeClr val="tx1"/>
+                </a:solidFill>
+                <a:latin typeface="+mn-lt"/>
+                <a:ea typeface="+mn-ea"/>
+                <a:cs typeface="+mn-cs"/>
+              </a:defRPr>
+            </a:lvl2pPr>
+            <a:lvl3pPr marL="914400" indent="0" algn="ctr" defTabSz="914400" rtl="0" eaLnBrk="1" latinLnBrk="0" hangingPunct="1">
+              <a:lnSpc>
+                <a:spcPct val="90000"/>
+              </a:lnSpc>
+              <a:spcBef>
+                <a:spcPts val="500"/>
+              </a:spcBef>
+              <a:buFont typeface="Arial" panose="020B0604020202020204" pitchFamily="34" charset="0"/>
+              <a:buNone/>
+              <a:defRPr sz="1800" kern="1200">
+                <a:solidFill>
+                  <a:schemeClr val="tx1"/>
+                </a:solidFill>
+                <a:latin typeface="+mn-lt"/>
+                <a:ea typeface="+mn-ea"/>
+                <a:cs typeface="+mn-cs"/>
+              </a:defRPr>
+            </a:lvl3pPr>
+            <a:lvl4pPr marL="1371600" indent="0" algn="ctr" defTabSz="914400" rtl="0" eaLnBrk="1" latinLnBrk="0" hangingPunct="1">
+              <a:lnSpc>
+                <a:spcPct val="90000"/>
+              </a:lnSpc>
+              <a:spcBef>
+                <a:spcPts val="500"/>
+              </a:spcBef>
+              <a:buFont typeface="Arial" panose="020B0604020202020204" pitchFamily="34" charset="0"/>
+              <a:buNone/>
+              <a:defRPr sz="1600" kern="1200">
+                <a:solidFill>
+                  <a:schemeClr val="tx1"/>
+                </a:solidFill>
+                <a:latin typeface="+mn-lt"/>
+                <a:ea typeface="+mn-ea"/>
+                <a:cs typeface="+mn-cs"/>
+              </a:defRPr>
+            </a:lvl4pPr>
+            <a:lvl5pPr marL="1828800" indent="0" algn="ctr" defTabSz="914400" rtl="0" eaLnBrk="1" latinLnBrk="0" hangingPunct="1">
+              <a:lnSpc>
+                <a:spcPct val="90000"/>
+              </a:lnSpc>
+              <a:spcBef>
+                <a:spcPts val="500"/>
+              </a:spcBef>
+              <a:buFont typeface="Arial" panose="020B0604020202020204" pitchFamily="34" charset="0"/>
+              <a:buNone/>
+              <a:defRPr sz="1600" kern="1200">
+                <a:solidFill>
+                  <a:schemeClr val="tx1"/>
+                </a:solidFill>
+                <a:latin typeface="+mn-lt"/>
+                <a:ea typeface="+mn-ea"/>
+                <a:cs typeface="+mn-cs"/>
+              </a:defRPr>
+            </a:lvl5pPr>
+            <a:lvl6pPr marL="2286000" indent="0" algn="ctr" defTabSz="914400" rtl="0" eaLnBrk="1" latinLnBrk="0" hangingPunct="1">
+              <a:lnSpc>
+                <a:spcPct val="90000"/>
+              </a:lnSpc>
+              <a:spcBef>
+                <a:spcPts val="500"/>
+              </a:spcBef>
+              <a:buFont typeface="Arial" panose="020B0604020202020204" pitchFamily="34" charset="0"/>
+              <a:buNone/>
+              <a:defRPr sz="1600" kern="1200">
+                <a:solidFill>
+                  <a:schemeClr val="tx1"/>
+                </a:solidFill>
+                <a:latin typeface="+mn-lt"/>
+                <a:ea typeface="+mn-ea"/>
+                <a:cs typeface="+mn-cs"/>
+              </a:defRPr>
+            </a:lvl6pPr>
+            <a:lvl7pPr marL="2743200" indent="0" algn="ctr" defTabSz="914400" rtl="0" eaLnBrk="1" latinLnBrk="0" hangingPunct="1">
+              <a:lnSpc>
+                <a:spcPct val="90000"/>
+              </a:lnSpc>
+              <a:spcBef>
+                <a:spcPts val="500"/>
+              </a:spcBef>
+              <a:buFont typeface="Arial" panose="020B0604020202020204" pitchFamily="34" charset="0"/>
+              <a:buNone/>
+              <a:defRPr sz="1600" kern="1200">
+                <a:solidFill>
+                  <a:schemeClr val="tx1"/>
+                </a:solidFill>
+                <a:latin typeface="+mn-lt"/>
+                <a:ea typeface="+mn-ea"/>
+                <a:cs typeface="+mn-cs"/>
+              </a:defRPr>
+            </a:lvl7pPr>
+            <a:lvl8pPr marL="3200400" indent="0" algn="ctr" defTabSz="914400" rtl="0" eaLnBrk="1" latinLnBrk="0" hangingPunct="1">
+              <a:lnSpc>
+                <a:spcPct val="90000"/>
+              </a:lnSpc>
+              <a:spcBef>
+                <a:spcPts val="500"/>
+              </a:spcBef>
+              <a:buFont typeface="Arial" panose="020B0604020202020204" pitchFamily="34" charset="0"/>
+              <a:buNone/>
+              <a:defRPr sz="1600" kern="1200">
+                <a:solidFill>
+                  <a:schemeClr val="tx1"/>
+                </a:solidFill>
+                <a:latin typeface="+mn-lt"/>
+                <a:ea typeface="+mn-ea"/>
+                <a:cs typeface="+mn-cs"/>
+              </a:defRPr>
+            </a:lvl8pPr>
+            <a:lvl9pPr marL="3657600" indent="0" algn="ctr" defTabSz="914400" rtl="0" eaLnBrk="1" latinLnBrk="0" hangingPunct="1">
+              <a:lnSpc>
+                <a:spcPct val="90000"/>
+              </a:lnSpc>
+              <a:spcBef>
+                <a:spcPts val="500"/>
+              </a:spcBef>
+              <a:buFont typeface="Arial" panose="020B0604020202020204" pitchFamily="34" charset="0"/>
+              <a:buNone/>
+              <a:defRPr sz="1600" kern="1200">
+                <a:solidFill>
+                  <a:schemeClr val="tx1"/>
+                </a:solidFill>
+                <a:latin typeface="+mn-lt"/>
+                <a:ea typeface="+mn-ea"/>
+                <a:cs typeface="+mn-cs"/>
+              </a:defRPr>
+            </a:lvl9pPr>
+          </a:lstStyle>
+          <a:p>
+            <a:pPr>
+              <a:lnSpc>
+                <a:spcPct val="50000"/>
+              </a:lnSpc>
+            </a:pPr>
             <a:r>
               <a:rPr lang="en-US" dirty="0"/>
-              <a:t>Miruna Paduraru </a:t>
+              <a:t>Miruna Paduraru</a:t>
+            </a:r>
+          </a:p>
+          <a:p>
+            <a:pPr>
+              <a:lnSpc>
+                <a:spcPct val="50000"/>
+              </a:lnSpc>
+            </a:pPr>
+            <a:r>
+              <a:rPr lang="en-US" sz="1600" dirty="0" err="1"/>
+              <a:t>Phd</a:t>
+            </a:r>
+            <a:r>
+              <a:rPr lang="en-US" sz="1600" dirty="0"/>
+              <a:t>. Student at University of Bucharest</a:t>
             </a:r>
           </a:p>
           <a:p>
             <a:r>
               <a:rPr lang="en-US" dirty="0"/>
-              <a:t>Ciprian Paduraru</a:t>
-            </a:r>
-          </a:p>
-          <a:p>
-            <a:r>
-              <a:rPr lang="en-US" dirty="0"/>
-              <a:t>University of Bucharest</a:t>
-            </a:r>
+              <a:t>Conf. Univ. Dr. Ciprian Paduraru</a:t>
+            </a:r>
+          </a:p>
+          <a:p>
+            <a:endParaRPr lang="en-US" dirty="0"/>
           </a:p>
         </p:txBody>
       </p:sp>
@@ -3573,15 +3762,16 @@
           <a:p>
             <a:r>
               <a:rPr lang="en-US" dirty="0"/>
-              <a:t>Improve </a:t>
-            </a:r>
-            <a:r>
-              <a:rPr lang="en-US" dirty="0" err="1"/>
-              <a:t>abstractization</a:t>
-            </a:r>
+              <a:t>Improved abstraction for automatic test generation</a:t>
+            </a:r>
+          </a:p>
+          <a:p>
+            <a:endParaRPr lang="en-US" dirty="0"/>
+          </a:p>
+          <a:p>
             <a:r>
               <a:rPr lang="en-US" dirty="0"/>
-              <a:t> for automatic test generations</a:t>
+              <a:t>Prioritization tool for areas of the games that need to be tested, or perhaps based on previous history of bugs that continue to occur</a:t>
             </a:r>
           </a:p>
           <a:p>
@@ -3590,29 +3780,24 @@
           <a:p>
             <a:r>
               <a:rPr lang="en-US" dirty="0"/>
-              <a:t>Prioritization tool for areas of the games that need to be tested, or maybe based on previous history of bugs that persist</a:t>
-            </a:r>
-          </a:p>
-          <a:p>
-            <a:pPr marL="0" indent="0">
-              <a:buNone/>
-            </a:pPr>
+              <a:t>Integration of our previously published work on genetic algorithms and reinforcement learning to guide the fuzzing process.</a:t>
+            </a:r>
+          </a:p>
+          <a:p>
             <a:endParaRPr lang="en-US" dirty="0"/>
           </a:p>
           <a:p>
             <a:r>
               <a:rPr lang="en-US" dirty="0"/>
-              <a:t>Integrate our previous published papers on genetic algorithms and reinforcement learning for driving the fuzzing process.</a:t>
-            </a:r>
-          </a:p>
-          <a:p>
+              <a:t>Frostbite integration! </a:t>
+            </a:r>
+            <a:r>
+              <a:rPr lang="en-US" dirty="0">
+                <a:sym typeface="Wingdings" panose="05000000000000000000" pitchFamily="2" charset="2"/>
+              </a:rPr>
+              <a:t></a:t>
+            </a:r>
             <a:endParaRPr lang="en-US" dirty="0"/>
-          </a:p>
-          <a:p>
-            <a:r>
-              <a:rPr lang="en-US" dirty="0"/>
-              <a:t>Frostbite integration ! </a:t>
-            </a:r>
           </a:p>
         </p:txBody>
       </p:sp>
@@ -3620,6 +3805,70 @@
     <p:extLst>
       <p:ext uri="{BB962C8B-B14F-4D97-AF65-F5344CB8AC3E}">
         <p14:creationId xmlns:p14="http://schemas.microsoft.com/office/powerpoint/2010/main" val="4179370420"/>
+      </p:ext>
+    </p:extLst>
+  </p:cSld>
+  <p:clrMapOvr>
+    <a:masterClrMapping/>
+  </p:clrMapOvr>
+</p:sld>
+</file>
+
+<file path=ppt/slides/slide12.xml><?xml version="1.0" encoding="utf-8"?>
+<p:sld xmlns:a="http://schemas.openxmlformats.org/drawingml/2006/main" xmlns:r="http://schemas.openxmlformats.org/officeDocument/2006/relationships" xmlns:p="http://schemas.openxmlformats.org/presentationml/2006/main">
+  <p:cSld>
+    <p:spTree>
+      <p:nvGrpSpPr>
+        <p:cNvPr id="1" name=""/>
+        <p:cNvGrpSpPr/>
+        <p:nvPr/>
+      </p:nvGrpSpPr>
+      <p:grpSpPr>
+        <a:xfrm>
+          <a:off x="0" y="0"/>
+          <a:ext cx="0" cy="0"/>
+          <a:chOff x="0" y="0"/>
+          <a:chExt cx="0" cy="0"/>
+        </a:xfrm>
+      </p:grpSpPr>
+      <p:sp>
+        <p:nvSpPr>
+          <p:cNvPr id="2" name="Title 1">
+            <a:extLst>
+              <a:ext uri="{FF2B5EF4-FFF2-40B4-BE49-F238E27FC236}">
+                <a16:creationId xmlns:a16="http://schemas.microsoft.com/office/drawing/2014/main" id="{789051DE-264D-4356-B0F8-63D19BC9B1CF}"/>
+              </a:ext>
+            </a:extLst>
+          </p:cNvPr>
+          <p:cNvSpPr>
+            <a:spLocks noGrp="1"/>
+          </p:cNvSpPr>
+          <p:nvPr>
+            <p:ph type="title"/>
+          </p:nvPr>
+        </p:nvSpPr>
+        <p:spPr>
+          <a:xfrm>
+            <a:off x="680231" y="2646569"/>
+            <a:ext cx="10515600" cy="1325563"/>
+          </a:xfrm>
+        </p:spPr>
+        <p:txBody>
+          <a:bodyPr/>
+          <a:lstStyle/>
+          <a:p>
+            <a:pPr algn="ctr"/>
+            <a:r>
+              <a:rPr lang="en-US" dirty="0"/>
+              <a:t>Thank you!</a:t>
+            </a:r>
+          </a:p>
+        </p:txBody>
+      </p:sp>
+    </p:spTree>
+    <p:extLst>
+      <p:ext uri="{BB962C8B-B14F-4D97-AF65-F5344CB8AC3E}">
+        <p14:creationId xmlns:p14="http://schemas.microsoft.com/office/powerpoint/2010/main" val="4215436387"/>
       </p:ext>
     </p:extLst>
   </p:cSld>
@@ -3669,7 +3918,7 @@
           <a:p>
             <a:r>
               <a:rPr lang="en-US" dirty="0"/>
-              <a:t>1. What is fuzzing in general ?</a:t>
+              <a:t>1. What is fuzzing in general?</a:t>
             </a:r>
           </a:p>
         </p:txBody>
@@ -3908,31 +4157,25 @@
         </p:spPr>
         <p:txBody>
           <a:bodyPr>
-            <a:normAutofit fontScale="92500" lnSpcReduction="10000"/>
+            <a:normAutofit/>
           </a:bodyPr>
           <a:lstStyle/>
           <a:p>
             <a:r>
               <a:rPr lang="en-US" dirty="0"/>
-              <a:t>To exploits various states of the games with different set of parameters, the fuzz testing method is known in literature as being one of the most powerful testing</a:t>
-            </a:r>
-          </a:p>
-          <a:p>
-            <a:endParaRPr lang="en-US" dirty="0"/>
+              <a:t>To exploit different states of the games with different set of parameters, the fuzz testing method is known in the literature as one of the most powerful testing methods.</a:t>
+            </a:r>
           </a:p>
           <a:p>
             <a:r>
               <a:rPr lang="en-US" dirty="0"/>
-              <a:t>Different strategies can be used to guide the fuzzing towards certain targets or areas of the game: e.g., test more physics or AI parts of the game.</a:t>
-            </a:r>
-          </a:p>
-          <a:p>
-            <a:endParaRPr lang="en-US" dirty="0"/>
+              <a:t>Different strategies can be used to guide the fuzzing to specific goals or areas of the game: for example, test more physics or AI parts of the game.</a:t>
+            </a:r>
           </a:p>
           <a:p>
             <a:r>
               <a:rPr lang="en-US" dirty="0"/>
-              <a:t>As guided methods we can mention genetic algorithms, reinforcement learning, etc. – You can check the two author’s publications list to mention a few works in this direction,</a:t>
+              <a:t>As guided methods we can mention genetic algorithms, reinforcement learning, etc. - In the publication list of the two authors you can find some works in this direction.</a:t>
             </a:r>
           </a:p>
         </p:txBody>
@@ -3990,7 +4233,7 @@
           <a:p>
             <a:r>
               <a:rPr lang="en-US" dirty="0"/>
-              <a:t>3. Game testing use-case !</a:t>
+              <a:t>3. Game testing use-case!</a:t>
             </a:r>
           </a:p>
         </p:txBody>
@@ -4014,13 +4257,13 @@
         <p:spPr/>
         <p:txBody>
           <a:bodyPr>
-            <a:normAutofit fontScale="92500"/>
+            <a:normAutofit lnSpcReduction="10000"/>
           </a:bodyPr>
           <a:lstStyle/>
           <a:p>
             <a:r>
               <a:rPr lang="en-US" dirty="0"/>
-              <a:t>You can always ask your programmers to  write tests…by they get bored usually, and even if they write unit / functional tests they will do it it for </a:t>
+              <a:t>You can always ask your programmers to write tests... but this usually bores them, and even if they write unit/functional tests, they will do it only for </a:t>
             </a:r>
             <a:r>
               <a:rPr lang="en-US" b="1" dirty="0"/>
@@ -4033,11 +4276,11 @@
           <a:p>
             <a:r>
               <a:rPr lang="en-US" dirty="0"/>
-              <a:t>How about the army of designers, artists or animators that are modifying the content ? </a:t>
+              <a:t>What about the army of designers, artists, or animators who change the content? </a:t>
             </a:r>
             <a:r>
               <a:rPr lang="en-US" b="1" dirty="0"/>
-              <a:t>Many changes during iterations can break quality</a:t>
+              <a:t>Many changes during iterations can affect the quality</a:t>
             </a:r>
             <a:r>
               <a:rPr lang="en-US" dirty="0"/>
@@ -4054,7 +4297,7 @@
                   <a:srgbClr val="FF0000"/>
                 </a:solidFill>
               </a:rPr>
-              <a:t>One of our main goals is to understand automatically  the changes that designers/artists/animators/programmers do between iterations and generate tests on the fly without human effort.</a:t>
+              <a:t>One of our main goals is to automatically understand the changes designers/artists/animators/programmers make between iterations and generate tests on the fly without human effort.</a:t>
             </a:r>
           </a:p>
         </p:txBody>
@@ -4131,7 +4374,7 @@
             <a:pPr lvl="2"/>
             <a:r>
               <a:rPr lang="en-US" sz="2400" dirty="0"/>
-              <a:t>Have a process that watches for new / modified schematics (Frostbite terminology)/ blueprints (Unreal terminology), then generate tests based on those.</a:t>
+              <a:t>Have a process that watches for new / modified schematics (Frostbite terminology)/ blueprints (Unreal terminology) and then generate tests based on those.</a:t>
             </a:r>
           </a:p>
           <a:p>
@@ -4146,7 +4389,7 @@
             <a:pPr lvl="2"/>
             <a:r>
               <a:rPr lang="en-US" sz="2400" dirty="0"/>
-              <a:t>Have a process that evaluates the new classes added to the game and target the fuzzing processes around those more. </a:t>
+              <a:t>Have a process that evaluates the new classes that have been added to the game and aligns the fuzzing processes around those more. </a:t>
             </a:r>
           </a:p>
           <a:p>
@@ -4221,11 +4464,8 @@
           <a:p>
             <a:r>
               <a:rPr lang="en-US" dirty="0"/>
-              <a:t>We use Unreal 4.27 as a playground for now, but if accepted, we’ll be happy to integrate the mechanisms in Frostbite engine too !</a:t>
-            </a:r>
-          </a:p>
-          <a:p>
-            <a:endParaRPr lang="en-US" dirty="0"/>
+              <a:t>We are using Unreal 4.27 as a playground for now, but if it's accepted, we will be happy to integrate the mechanics into the Frostbite engine as well!</a:t>
+            </a:r>
           </a:p>
           <a:p>
             <a:r>
@@ -4238,7 +4478,7 @@
             </a:r>
             <a:r>
               <a:rPr lang="en-US" dirty="0"/>
-              <a:t>method a JSON file attached to a blueprints/set of variables/classes, that describes the ranges of values and type (numeric or string). </a:t>
+              <a:t>method a JSON file attached to a blueprint/set of variables/classes, that describes the ranges of values and type (numeric or string). </a:t>
             </a:r>
           </a:p>
           <a:p>
@@ -4277,7 +4517,7 @@
         </p:blipFill>
         <p:spPr>
           <a:xfrm>
-            <a:off x="1027386" y="4560559"/>
+            <a:off x="984823" y="4763364"/>
             <a:ext cx="3638550" cy="1915795"/>
           </a:xfrm>
           <a:prstGeom prst="rect">
@@ -4301,7 +4541,7 @@
         <p:spPr>
           <a:xfrm>
             <a:off x="951713" y="3845237"/>
-            <a:ext cx="4191787" cy="923330"/>
+            <a:ext cx="4191787" cy="646331"/>
           </a:xfrm>
           <a:prstGeom prst="rect">
             <a:avLst/>
@@ -4327,7 +4567,7 @@
             </a:r>
             <a:r>
               <a:rPr lang="en-US" dirty="0"/>
-              <a:t> can be something between 0- 100, the rest could be anything.</a:t>
+              <a:t> can be something between 0-100, the rest could be anything.</a:t>
             </a:r>
           </a:p>
         </p:txBody>
@@ -4353,7 +4593,7 @@
         </p:blipFill>
         <p:spPr>
           <a:xfrm>
-            <a:off x="7795260" y="4735392"/>
+            <a:off x="7827065" y="4763364"/>
             <a:ext cx="2703786" cy="1971741"/>
           </a:xfrm>
           <a:prstGeom prst="rect">
@@ -4492,31 +4732,13 @@
               <a:buNone/>
             </a:pPr>
             <a:r>
+              <a:rPr lang="en-US" b="1" dirty="0"/>
+              <a:t>Note</a:t>
+            </a:r>
+            <a:r>
               <a:rPr lang="en-US" dirty="0"/>
-              <a:t>Note: JSON </a:t>
-            </a:r>
-            <a:r>
-              <a:rPr lang="en-US" b="1" dirty="0"/>
-              <a:t>guidance is  optional </a:t>
-            </a:r>
-            <a:r>
-              <a:rPr lang="en-US" dirty="0"/>
-              <a:t>! If </a:t>
-            </a:r>
-            <a:r>
-              <a:rPr lang="en-US" b="1" dirty="0"/>
-              <a:t>nothing is provided, the type declaration range is considered </a:t>
-            </a:r>
-            <a:r>
-              <a:rPr lang="en-US" dirty="0"/>
-              <a:t>in the fuzzing process.</a:t>
-            </a:r>
-          </a:p>
-          <a:p>
-            <a:pPr marL="0" indent="0">
-              <a:buNone/>
-            </a:pPr>
-            <a:endParaRPr lang="en-US" dirty="0"/>
+              <a:t>: The JSON guidance is optional! If nothing is provided, the type declaration range will be taken into account in the fuzzing process.</a:t>
+            </a:r>
           </a:p>
           <a:p>
             <a:pPr marL="0" indent="0">
@@ -4629,7 +4851,7 @@
           <a:p>
             <a:r>
               <a:rPr lang="en-US" dirty="0"/>
-              <a:t>How can a designer quickly evaluate different ranges of parameters at gameplay ?</a:t>
+              <a:t>How can a designer quickly evaluate different ranges of parameters at gameplay level?</a:t>
             </a:r>
           </a:p>
           <a:p>
@@ -4638,7 +4860,7 @@
           <a:p>
             <a:r>
               <a:rPr lang="en-US" dirty="0"/>
-              <a:t>What if the designers observes at some point that the character gets blocked and needs to quickly iterate parameters changes ?</a:t>
+              <a:t>What if at a certain point the designer finds that the character is blocked and needs to quickly change parameters?</a:t>
             </a:r>
           </a:p>
           <a:p>
@@ -4647,7 +4869,7 @@
           <a:p>
             <a:r>
               <a:rPr lang="en-US" dirty="0"/>
-              <a:t>What if a designer wants to tune different difficulty levels ?</a:t>
+              <a:t>What if a designer wants to tune different difficulty levels?</a:t>
             </a:r>
           </a:p>
         </p:txBody>
@@ -4701,11 +4923,13 @@
         <p:spPr>
           <a:xfrm>
             <a:off x="787750" y="696814"/>
-            <a:ext cx="10515600" cy="4351338"/>
+            <a:ext cx="10515600" cy="2245169"/>
           </a:xfrm>
         </p:spPr>
         <p:txBody>
-          <a:bodyPr/>
+          <a:bodyPr>
+            <a:normAutofit lnSpcReduction="10000"/>
+          </a:bodyPr>
           <a:lstStyle/>
           <a:p>
             <a:pPr marL="0" indent="0">
@@ -4717,7 +4941,7 @@
             </a:r>
             <a:r>
               <a:rPr lang="en-US" dirty="0"/>
-              <a:t> can be a quicker method than previous ones !</a:t>
+              <a:t> can be a quicker method than previous ones!</a:t>
             </a:r>
           </a:p>
           <a:p>
